--- a/Project2.pptx
+++ b/Project2.pptx
@@ -5174,12 +5174,34 @@
           <a:lstStyle/>
           <a:p>
             <a:r>
-              <a:rPr lang="en-US" sz="5400" dirty="0">
+              <a:rPr lang="en-US" sz="2800" dirty="0">
                 <a:solidFill>
                   <a:schemeClr val="bg1"/>
                 </a:solidFill>
               </a:rPr>
               <a:t>Project #2</a:t>
+            </a:r>
+            <a:br>
+              <a:rPr lang="en-US" sz="2800" dirty="0">
+                <a:solidFill>
+                  <a:schemeClr val="bg1"/>
+                </a:solidFill>
+              </a:rPr>
+            </a:br>
+            <a:br>
+              <a:rPr lang="en-US" sz="2800" dirty="0">
+                <a:solidFill>
+                  <a:schemeClr val="bg1"/>
+                </a:solidFill>
+              </a:rPr>
+            </a:br>
+            <a:r>
+              <a:rPr lang="en-US" sz="2800" dirty="0">
+                <a:solidFill>
+                  <a:schemeClr val="bg1"/>
+                </a:solidFill>
+              </a:rPr>
+              <a:t>CO2 &amp; Temperature</a:t>
             </a:r>
           </a:p>
         </p:txBody>
